--- a/Schema university/university e-r diagram.pptx
+++ b/Schema university/university e-r diagram.pptx
@@ -288,7 +288,7 @@
           <a:p>
             <a:fld id="{2EEF4B06-D933-4EFC-9951-6A735F11330D}" type="datetimeFigureOut">
               <a:rPr lang="ko-KR" altLang="en-US" smtClean="0"/>
-              <a:t>2019-05-03</a:t>
+              <a:t>2019-05-17</a:t>
             </a:fld>
             <a:endParaRPr lang="ko-KR" altLang="en-US"/>
           </a:p>
@@ -458,7 +458,7 @@
           <a:p>
             <a:fld id="{2EEF4B06-D933-4EFC-9951-6A735F11330D}" type="datetimeFigureOut">
               <a:rPr lang="ko-KR" altLang="en-US" smtClean="0"/>
-              <a:t>2019-05-03</a:t>
+              <a:t>2019-05-17</a:t>
             </a:fld>
             <a:endParaRPr lang="ko-KR" altLang="en-US"/>
           </a:p>
@@ -638,7 +638,7 @@
           <a:p>
             <a:fld id="{2EEF4B06-D933-4EFC-9951-6A735F11330D}" type="datetimeFigureOut">
               <a:rPr lang="ko-KR" altLang="en-US" smtClean="0"/>
-              <a:t>2019-05-03</a:t>
+              <a:t>2019-05-17</a:t>
             </a:fld>
             <a:endParaRPr lang="ko-KR" altLang="en-US"/>
           </a:p>
@@ -808,7 +808,7 @@
           <a:p>
             <a:fld id="{2EEF4B06-D933-4EFC-9951-6A735F11330D}" type="datetimeFigureOut">
               <a:rPr lang="ko-KR" altLang="en-US" smtClean="0"/>
-              <a:t>2019-05-03</a:t>
+              <a:t>2019-05-17</a:t>
             </a:fld>
             <a:endParaRPr lang="ko-KR" altLang="en-US"/>
           </a:p>
@@ -1054,7 +1054,7 @@
           <a:p>
             <a:fld id="{2EEF4B06-D933-4EFC-9951-6A735F11330D}" type="datetimeFigureOut">
               <a:rPr lang="ko-KR" altLang="en-US" smtClean="0"/>
-              <a:t>2019-05-03</a:t>
+              <a:t>2019-05-17</a:t>
             </a:fld>
             <a:endParaRPr lang="ko-KR" altLang="en-US"/>
           </a:p>
@@ -1342,7 +1342,7 @@
           <a:p>
             <a:fld id="{2EEF4B06-D933-4EFC-9951-6A735F11330D}" type="datetimeFigureOut">
               <a:rPr lang="ko-KR" altLang="en-US" smtClean="0"/>
-              <a:t>2019-05-03</a:t>
+              <a:t>2019-05-17</a:t>
             </a:fld>
             <a:endParaRPr lang="ko-KR" altLang="en-US"/>
           </a:p>
@@ -1764,7 +1764,7 @@
           <a:p>
             <a:fld id="{2EEF4B06-D933-4EFC-9951-6A735F11330D}" type="datetimeFigureOut">
               <a:rPr lang="ko-KR" altLang="en-US" smtClean="0"/>
-              <a:t>2019-05-03</a:t>
+              <a:t>2019-05-17</a:t>
             </a:fld>
             <a:endParaRPr lang="ko-KR" altLang="en-US"/>
           </a:p>
@@ -1882,7 +1882,7 @@
           <a:p>
             <a:fld id="{2EEF4B06-D933-4EFC-9951-6A735F11330D}" type="datetimeFigureOut">
               <a:rPr lang="ko-KR" altLang="en-US" smtClean="0"/>
-              <a:t>2019-05-03</a:t>
+              <a:t>2019-05-17</a:t>
             </a:fld>
             <a:endParaRPr lang="ko-KR" altLang="en-US"/>
           </a:p>
@@ -1977,7 +1977,7 @@
           <a:p>
             <a:fld id="{2EEF4B06-D933-4EFC-9951-6A735F11330D}" type="datetimeFigureOut">
               <a:rPr lang="ko-KR" altLang="en-US" smtClean="0"/>
-              <a:t>2019-05-03</a:t>
+              <a:t>2019-05-17</a:t>
             </a:fld>
             <a:endParaRPr lang="ko-KR" altLang="en-US"/>
           </a:p>
@@ -2254,7 +2254,7 @@
           <a:p>
             <a:fld id="{2EEF4B06-D933-4EFC-9951-6A735F11330D}" type="datetimeFigureOut">
               <a:rPr lang="ko-KR" altLang="en-US" smtClean="0"/>
-              <a:t>2019-05-03</a:t>
+              <a:t>2019-05-17</a:t>
             </a:fld>
             <a:endParaRPr lang="ko-KR" altLang="en-US"/>
           </a:p>
@@ -2507,7 +2507,7 @@
           <a:p>
             <a:fld id="{2EEF4B06-D933-4EFC-9951-6A735F11330D}" type="datetimeFigureOut">
               <a:rPr lang="ko-KR" altLang="en-US" smtClean="0"/>
-              <a:t>2019-05-03</a:t>
+              <a:t>2019-05-17</a:t>
             </a:fld>
             <a:endParaRPr lang="ko-KR" altLang="en-US"/>
           </a:p>
@@ -2720,7 +2720,7 @@
           <a:p>
             <a:fld id="{2EEF4B06-D933-4EFC-9951-6A735F11330D}" type="datetimeFigureOut">
               <a:rPr lang="ko-KR" altLang="en-US" smtClean="0"/>
-              <a:t>2019-05-03</a:t>
+              <a:t>2019-05-17</a:t>
             </a:fld>
             <a:endParaRPr lang="ko-KR" altLang="en-US"/>
           </a:p>
@@ -3245,7 +3245,7 @@
         </p:nvSpPr>
         <p:spPr>
           <a:xfrm>
-            <a:off x="2994298" y="188640"/>
+            <a:off x="3093334" y="332656"/>
             <a:ext cx="2861176" cy="430887"/>
           </a:xfrm>
           <a:prstGeom prst="rect">
@@ -4397,7 +4397,7 @@
         </p:nvSpPr>
         <p:spPr>
           <a:xfrm>
-            <a:off x="6405116" y="4312939"/>
+            <a:off x="6391921" y="4285024"/>
             <a:ext cx="1226860" cy="608688"/>
           </a:xfrm>
           <a:prstGeom prst="diamond">
@@ -4452,7 +4452,7 @@
         </p:nvSpPr>
         <p:spPr>
           <a:xfrm>
-            <a:off x="4261486" y="2770243"/>
+            <a:off x="4220833" y="2876369"/>
             <a:ext cx="1226860" cy="608688"/>
           </a:xfrm>
           <a:prstGeom prst="diamond">
